--- a/Pitch.pptx
+++ b/Pitch.pptx
@@ -2,15 +2,18 @@
 <file path=ppt/presentation.xml><?xml version="1.0" encoding="utf-8"?>
 <p:presentation xmlns:a="http://schemas.openxmlformats.org/drawingml/2006/main" xmlns:r="http://schemas.openxmlformats.org/officeDocument/2006/relationships" xmlns:p="http://schemas.openxmlformats.org/presentationml/2006/main" saveSubsetFonts="1">
   <p:sldMasterIdLst>
-    <p:sldMasterId id="2147484028" r:id="rId1"/>
+    <p:sldMasterId id="2147484058" r:id="rId1"/>
   </p:sldMasterIdLst>
   <p:sldIdLst>
     <p:sldId id="256" r:id="rId2"/>
     <p:sldId id="257" r:id="rId3"/>
-    <p:sldId id="258" r:id="rId4"/>
-    <p:sldId id="259" r:id="rId5"/>
-    <p:sldId id="260" r:id="rId6"/>
-    <p:sldId id="261" r:id="rId7"/>
+    <p:sldId id="262" r:id="rId4"/>
+    <p:sldId id="263" r:id="rId5"/>
+    <p:sldId id="264" r:id="rId6"/>
+    <p:sldId id="258" r:id="rId7"/>
+    <p:sldId id="259" r:id="rId8"/>
+    <p:sldId id="260" r:id="rId9"/>
+    <p:sldId id="261" r:id="rId10"/>
   </p:sldIdLst>
   <p:sldSz cx="12192000" cy="6858000"/>
   <p:notesSz cx="6858000" cy="9144000"/>
@@ -109,12 +112,17 @@
       </a:defRPr>
     </a:lvl9pPr>
   </p:defaultTextStyle>
+  <p:extLst>
+    <p:ext uri="{EFAFB233-063F-42B5-8137-9DF3F51BA10A}">
+      <p15:sldGuideLst xmlns:p15="http://schemas.microsoft.com/office/powerpoint/2012/main"/>
+    </p:ext>
+  </p:extLst>
 </p:presentation>
 </file>
 
 <file path=ppt/slideLayouts/slideLayout1.xml><?xml version="1.0" encoding="utf-8"?>
 <p:sldLayout xmlns:a="http://schemas.openxmlformats.org/drawingml/2006/main" xmlns:r="http://schemas.openxmlformats.org/officeDocument/2006/relationships" xmlns:p="http://schemas.openxmlformats.org/presentationml/2006/main" showMasterSp="0" type="title" preserve="1">
-  <p:cSld name="Title Slide">
+  <p:cSld name="שקופית כותרת">
     <p:spTree>
       <p:nvGrpSpPr>
         <p:cNvPr id="1" name=""/>
@@ -295,8 +303,8 @@
           </a:lstStyle>
           <a:p>
             <a:r>
-              <a:rPr lang="en-US"/>
-              <a:t>Click to edit Master title style</a:t>
+              <a:rPr lang="he-IL"/>
+              <a:t>לחץ כדי לערוך סגנון כותרת של תבנית בסיס</a:t>
             </a:r>
             <a:endParaRPr lang="en-US" dirty="0"/>
           </a:p>
@@ -414,8 +422,8 @@
           </a:lstStyle>
           <a:p>
             <a:r>
-              <a:rPr lang="en-US"/>
-              <a:t>Click to edit Master subtitle style</a:t>
+              <a:rPr lang="he-IL"/>
+              <a:t>לחץ כדי לערוך סגנון כותרת משנה של תבנית בסיס</a:t>
             </a:r>
             <a:endParaRPr lang="en-US" dirty="0"/>
           </a:p>
@@ -443,7 +451,7 @@
           <a:p>
             <a:fld id="{3C2D161F-016A-48C3-9013-27A0FC62FDD9}" type="datetimeFigureOut">
               <a:rPr lang="en-US" smtClean="0"/>
-              <a:t>4/27/2017</a:t>
+              <a:t>4/28/2017</a:t>
             </a:fld>
             <a:endParaRPr lang="en-US"/>
           </a:p>
@@ -534,24 +542,19 @@
     </p:spTree>
     <p:extLst>
       <p:ext uri="{BB962C8B-B14F-4D97-AF65-F5344CB8AC3E}">
-        <p14:creationId xmlns:p14="http://schemas.microsoft.com/office/powerpoint/2010/main" val="727752131"/>
+        <p14:creationId xmlns:p14="http://schemas.microsoft.com/office/powerpoint/2010/main" val="2249546687"/>
       </p:ext>
     </p:extLst>
   </p:cSld>
   <p:clrMapOvr>
     <a:masterClrMapping/>
   </p:clrMapOvr>
-  <p:extLst>
-    <p:ext uri="{DCECCB84-F9BA-43D5-87BE-67443E8EF086}">
-      <p15:sldGuideLst xmlns:p15="http://schemas.microsoft.com/office/powerpoint/2012/main"/>
-    </p:ext>
-  </p:extLst>
 </p:sldLayout>
 </file>
 
 <file path=ppt/slideLayouts/slideLayout10.xml><?xml version="1.0" encoding="utf-8"?>
 <p:sldLayout xmlns:a="http://schemas.openxmlformats.org/drawingml/2006/main" xmlns:r="http://schemas.openxmlformats.org/officeDocument/2006/relationships" xmlns:p="http://schemas.openxmlformats.org/presentationml/2006/main" preserve="1">
-  <p:cSld name="Panoramic Picture with Caption">
+  <p:cSld name="תמונה פנורמית עם כיתוב">
     <p:spTree>
       <p:nvGrpSpPr>
         <p:cNvPr id="1" name=""/>
@@ -593,8 +596,8 @@
           </a:lstStyle>
           <a:p>
             <a:r>
-              <a:rPr lang="en-US"/>
-              <a:t>Click to edit Master title style</a:t>
+              <a:rPr lang="he-IL"/>
+              <a:t>לחץ כדי לערוך סגנון כותרת של תבנית בסיס</a:t>
             </a:r>
             <a:endParaRPr lang="en-US" dirty="0"/>
           </a:p>
@@ -681,8 +684,8 @@
           </a:lstStyle>
           <a:p>
             <a:r>
-              <a:rPr lang="en-US"/>
-              <a:t>Click icon to add picture</a:t>
+              <a:rPr lang="he-IL"/>
+              <a:t>לחץ על הסמל כדי להוסיף תמונה</a:t>
             </a:r>
             <a:endParaRPr lang="en-US" dirty="0"/>
           </a:p>
@@ -749,8 +752,8 @@
           <a:p>
             <a:pPr lvl="0"/>
             <a:r>
-              <a:rPr lang="en-US"/>
-              <a:t>Edit Master text styles</a:t>
+              <a:rPr lang="he-IL"/>
+              <a:t>ערוך סגנונות טקסט של תבנית בסיס</a:t>
             </a:r>
           </a:p>
         </p:txBody>
@@ -772,7 +775,7 @@
           <a:p>
             <a:fld id="{3C2D161F-016A-48C3-9013-27A0FC62FDD9}" type="datetimeFigureOut">
               <a:rPr lang="en-US" smtClean="0"/>
-              <a:t>4/27/2017</a:t>
+              <a:t>4/28/2017</a:t>
             </a:fld>
             <a:endParaRPr lang="en-US"/>
           </a:p>
@@ -823,7 +826,7 @@
     </p:spTree>
     <p:extLst>
       <p:ext uri="{BB962C8B-B14F-4D97-AF65-F5344CB8AC3E}">
-        <p14:creationId xmlns:p14="http://schemas.microsoft.com/office/powerpoint/2010/main" val="1337691312"/>
+        <p14:creationId xmlns:p14="http://schemas.microsoft.com/office/powerpoint/2010/main" val="723947861"/>
       </p:ext>
     </p:extLst>
   </p:cSld>
@@ -835,7 +838,7 @@
 
 <file path=ppt/slideLayouts/slideLayout11.xml><?xml version="1.0" encoding="utf-8"?>
 <p:sldLayout xmlns:a="http://schemas.openxmlformats.org/drawingml/2006/main" xmlns:r="http://schemas.openxmlformats.org/officeDocument/2006/relationships" xmlns:p="http://schemas.openxmlformats.org/presentationml/2006/main" preserve="1">
-  <p:cSld name="Title and Caption">
+  <p:cSld name="כותרת וכיתוב">
     <p:spTree>
       <p:nvGrpSpPr>
         <p:cNvPr id="1" name=""/>
@@ -877,8 +880,8 @@
           </a:lstStyle>
           <a:p>
             <a:r>
-              <a:rPr lang="en-US"/>
-              <a:t>Click to edit Master title style</a:t>
+              <a:rPr lang="he-IL"/>
+              <a:t>לחץ כדי לערוך סגנון כותרת של תבנית בסיס</a:t>
             </a:r>
             <a:endParaRPr lang="en-US" dirty="0"/>
           </a:p>
@@ -997,8 +1000,8 @@
           <a:p>
             <a:pPr lvl="0"/>
             <a:r>
-              <a:rPr lang="en-US"/>
-              <a:t>Edit Master text styles</a:t>
+              <a:rPr lang="he-IL"/>
+              <a:t>ערוך סגנונות טקסט של תבנית בסיס</a:t>
             </a:r>
           </a:p>
         </p:txBody>
@@ -1020,7 +1023,7 @@
           <a:p>
             <a:fld id="{3C2D161F-016A-48C3-9013-27A0FC62FDD9}" type="datetimeFigureOut">
               <a:rPr lang="en-US" smtClean="0"/>
-              <a:t>4/27/2017</a:t>
+              <a:t>4/28/2017</a:t>
             </a:fld>
             <a:endParaRPr lang="en-US"/>
           </a:p>
@@ -1102,7 +1105,7 @@
     </p:spTree>
     <p:extLst>
       <p:ext uri="{BB962C8B-B14F-4D97-AF65-F5344CB8AC3E}">
-        <p14:creationId xmlns:p14="http://schemas.microsoft.com/office/powerpoint/2010/main" val="4220590658"/>
+        <p14:creationId xmlns:p14="http://schemas.microsoft.com/office/powerpoint/2010/main" val="2905898188"/>
       </p:ext>
     </p:extLst>
   </p:cSld>
@@ -1114,7 +1117,7 @@
 
 <file path=ppt/slideLayouts/slideLayout12.xml><?xml version="1.0" encoding="utf-8"?>
 <p:sldLayout xmlns:a="http://schemas.openxmlformats.org/drawingml/2006/main" xmlns:r="http://schemas.openxmlformats.org/officeDocument/2006/relationships" xmlns:p="http://schemas.openxmlformats.org/presentationml/2006/main" preserve="1">
-  <p:cSld name="Quote with Caption">
+  <p:cSld name="ציטוט עם כיתוב">
     <p:spTree>
       <p:nvGrpSpPr>
         <p:cNvPr id="1" name=""/>
@@ -1160,8 +1163,8 @@
           </a:lstStyle>
           <a:p>
             <a:r>
-              <a:rPr lang="en-US"/>
-              <a:t>Click to edit Master title style</a:t>
+              <a:rPr lang="he-IL"/>
+              <a:t>לחץ כדי לערוך סגנון כותרת של תבנית בסיס</a:t>
             </a:r>
             <a:endParaRPr lang="en-US" dirty="0"/>
           </a:p>
@@ -1217,8 +1220,8 @@
           <a:p>
             <a:pPr lvl="0"/>
             <a:r>
-              <a:rPr lang="en-US"/>
-              <a:t>Edit Master text styles</a:t>
+              <a:rPr lang="he-IL"/>
+              <a:t>ערוך סגנונות טקסט של תבנית בסיס</a:t>
             </a:r>
           </a:p>
         </p:txBody>
@@ -1336,8 +1339,8 @@
           <a:p>
             <a:pPr lvl="0"/>
             <a:r>
-              <a:rPr lang="en-US"/>
-              <a:t>Edit Master text styles</a:t>
+              <a:rPr lang="he-IL"/>
+              <a:t>ערוך סגנונות טקסט של תבנית בסיס</a:t>
             </a:r>
           </a:p>
         </p:txBody>
@@ -1359,7 +1362,7 @@
           <a:p>
             <a:fld id="{3C2D161F-016A-48C3-9013-27A0FC62FDD9}" type="datetimeFigureOut">
               <a:rPr lang="en-US" smtClean="0"/>
-              <a:t>4/27/2017</a:t>
+              <a:t>4/28/2017</a:t>
             </a:fld>
             <a:endParaRPr lang="en-US"/>
           </a:p>
@@ -1509,7 +1512,7 @@
     </p:spTree>
     <p:extLst>
       <p:ext uri="{BB962C8B-B14F-4D97-AF65-F5344CB8AC3E}">
-        <p14:creationId xmlns:p14="http://schemas.microsoft.com/office/powerpoint/2010/main" val="587368062"/>
+        <p14:creationId xmlns:p14="http://schemas.microsoft.com/office/powerpoint/2010/main" val="2639336145"/>
       </p:ext>
     </p:extLst>
   </p:cSld>
@@ -1521,7 +1524,7 @@
 
 <file path=ppt/slideLayouts/slideLayout13.xml><?xml version="1.0" encoding="utf-8"?>
 <p:sldLayout xmlns:a="http://schemas.openxmlformats.org/drawingml/2006/main" xmlns:r="http://schemas.openxmlformats.org/officeDocument/2006/relationships" xmlns:p="http://schemas.openxmlformats.org/presentationml/2006/main" preserve="1">
-  <p:cSld name="Name Card">
+  <p:cSld name="כרטיס שם">
     <p:spTree>
       <p:nvGrpSpPr>
         <p:cNvPr id="1" name=""/>
@@ -1563,8 +1566,8 @@
           </a:lstStyle>
           <a:p>
             <a:r>
-              <a:rPr lang="en-US"/>
-              <a:t>Click to edit Master title style</a:t>
+              <a:rPr lang="he-IL"/>
+              <a:t>לחץ כדי לערוך סגנון כותרת של תבנית בסיס</a:t>
             </a:r>
             <a:endParaRPr lang="en-US" dirty="0"/>
           </a:p>
@@ -1683,8 +1686,8 @@
           <a:p>
             <a:pPr lvl="0"/>
             <a:r>
-              <a:rPr lang="en-US"/>
-              <a:t>Edit Master text styles</a:t>
+              <a:rPr lang="he-IL"/>
+              <a:t>ערוך סגנונות טקסט של תבנית בסיס</a:t>
             </a:r>
           </a:p>
         </p:txBody>
@@ -1706,7 +1709,7 @@
           <a:p>
             <a:fld id="{3C2D161F-016A-48C3-9013-27A0FC62FDD9}" type="datetimeFigureOut">
               <a:rPr lang="en-US" smtClean="0"/>
-              <a:t>4/27/2017</a:t>
+              <a:t>4/28/2017</a:t>
             </a:fld>
             <a:endParaRPr lang="en-US"/>
           </a:p>
@@ -1757,7 +1760,7 @@
     </p:spTree>
     <p:extLst>
       <p:ext uri="{BB962C8B-B14F-4D97-AF65-F5344CB8AC3E}">
-        <p14:creationId xmlns:p14="http://schemas.microsoft.com/office/powerpoint/2010/main" val="3789870755"/>
+        <p14:creationId xmlns:p14="http://schemas.microsoft.com/office/powerpoint/2010/main" val="3811151348"/>
       </p:ext>
     </p:extLst>
   </p:cSld>
@@ -1769,7 +1772,7 @@
 
 <file path=ppt/slideLayouts/slideLayout14.xml><?xml version="1.0" encoding="utf-8"?>
 <p:sldLayout xmlns:a="http://schemas.openxmlformats.org/drawingml/2006/main" xmlns:r="http://schemas.openxmlformats.org/officeDocument/2006/relationships" xmlns:p="http://schemas.openxmlformats.org/presentationml/2006/main" preserve="1">
-  <p:cSld name="Quote Name Card">
+  <p:cSld name="כרטיס שם עם ציטוט">
     <p:spTree>
       <p:nvGrpSpPr>
         <p:cNvPr id="1" name=""/>
@@ -1815,8 +1818,8 @@
           </a:lstStyle>
           <a:p>
             <a:r>
-              <a:rPr lang="en-US"/>
-              <a:t>Click to edit Master title style</a:t>
+              <a:rPr lang="he-IL"/>
+              <a:t>לחץ כדי לערוך סגנון כותרת של תבנית בסיס</a:t>
             </a:r>
             <a:endParaRPr lang="en-US" dirty="0"/>
           </a:p>
@@ -1938,8 +1941,8 @@
           <a:p>
             <a:pPr lvl="0"/>
             <a:r>
-              <a:rPr lang="en-US"/>
-              <a:t>Edit Master text styles</a:t>
+              <a:rPr lang="he-IL"/>
+              <a:t>ערוך סגנונות טקסט של תבנית בסיס</a:t>
             </a:r>
           </a:p>
         </p:txBody>
@@ -2057,8 +2060,8 @@
           <a:p>
             <a:pPr lvl="0"/>
             <a:r>
-              <a:rPr lang="en-US"/>
-              <a:t>Edit Master text styles</a:t>
+              <a:rPr lang="he-IL"/>
+              <a:t>ערוך סגנונות טקסט של תבנית בסיס</a:t>
             </a:r>
           </a:p>
         </p:txBody>
@@ -2080,7 +2083,7 @@
           <a:p>
             <a:fld id="{3C2D161F-016A-48C3-9013-27A0FC62FDD9}" type="datetimeFigureOut">
               <a:rPr lang="en-US" smtClean="0"/>
-              <a:t>4/27/2017</a:t>
+              <a:t>4/28/2017</a:t>
             </a:fld>
             <a:endParaRPr lang="en-US"/>
           </a:p>
@@ -2230,7 +2233,7 @@
     </p:spTree>
     <p:extLst>
       <p:ext uri="{BB962C8B-B14F-4D97-AF65-F5344CB8AC3E}">
-        <p14:creationId xmlns:p14="http://schemas.microsoft.com/office/powerpoint/2010/main" val="2890243342"/>
+        <p14:creationId xmlns:p14="http://schemas.microsoft.com/office/powerpoint/2010/main" val="2756086072"/>
       </p:ext>
     </p:extLst>
   </p:cSld>
@@ -2242,7 +2245,7 @@
 
 <file path=ppt/slideLayouts/slideLayout15.xml><?xml version="1.0" encoding="utf-8"?>
 <p:sldLayout xmlns:a="http://schemas.openxmlformats.org/drawingml/2006/main" xmlns:r="http://schemas.openxmlformats.org/officeDocument/2006/relationships" xmlns:p="http://schemas.openxmlformats.org/presentationml/2006/main" preserve="1">
-  <p:cSld name="True or False">
+  <p:cSld name="True או False">
     <p:spTree>
       <p:nvGrpSpPr>
         <p:cNvPr id="1" name=""/>
@@ -2285,8 +2288,8 @@
           <a:p>
             <a:pPr marL="0" lvl="0"/>
             <a:r>
-              <a:rPr lang="en-US"/>
-              <a:t>Click to edit Master title style</a:t>
+              <a:rPr lang="he-IL"/>
+              <a:t>לחץ כדי לערוך סגנון כותרת של תבנית בסיס</a:t>
             </a:r>
             <a:endParaRPr lang="en-US" dirty="0"/>
           </a:p>
@@ -2408,8 +2411,8 @@
           <a:p>
             <a:pPr lvl="0"/>
             <a:r>
-              <a:rPr lang="en-US"/>
-              <a:t>Edit Master text styles</a:t>
+              <a:rPr lang="he-IL"/>
+              <a:t>ערוך סגנונות טקסט של תבנית בסיס</a:t>
             </a:r>
           </a:p>
         </p:txBody>
@@ -2527,8 +2530,8 @@
           <a:p>
             <a:pPr lvl="0"/>
             <a:r>
-              <a:rPr lang="en-US"/>
-              <a:t>Edit Master text styles</a:t>
+              <a:rPr lang="he-IL"/>
+              <a:t>ערוך סגנונות טקסט של תבנית בסיס</a:t>
             </a:r>
           </a:p>
         </p:txBody>
@@ -2550,7 +2553,7 @@
           <a:p>
             <a:fld id="{3C2D161F-016A-48C3-9013-27A0FC62FDD9}" type="datetimeFigureOut">
               <a:rPr lang="en-US" smtClean="0"/>
-              <a:t>4/27/2017</a:t>
+              <a:t>4/28/2017</a:t>
             </a:fld>
             <a:endParaRPr lang="en-US"/>
           </a:p>
@@ -2632,7 +2635,7 @@
     </p:spTree>
     <p:extLst>
       <p:ext uri="{BB962C8B-B14F-4D97-AF65-F5344CB8AC3E}">
-        <p14:creationId xmlns:p14="http://schemas.microsoft.com/office/powerpoint/2010/main" val="3353815124"/>
+        <p14:creationId xmlns:p14="http://schemas.microsoft.com/office/powerpoint/2010/main" val="2372504283"/>
       </p:ext>
     </p:extLst>
   </p:cSld>
@@ -2644,7 +2647,7 @@
 
 <file path=ppt/slideLayouts/slideLayout16.xml><?xml version="1.0" encoding="utf-8"?>
 <p:sldLayout xmlns:a="http://schemas.openxmlformats.org/drawingml/2006/main" xmlns:r="http://schemas.openxmlformats.org/officeDocument/2006/relationships" xmlns:p="http://schemas.openxmlformats.org/presentationml/2006/main" type="vertTx" preserve="1">
-  <p:cSld name="Title and Vertical Text">
+  <p:cSld name="כותרת וטקסט אנכי">
     <p:spTree>
       <p:nvGrpSpPr>
         <p:cNvPr id="1" name=""/>
@@ -2679,8 +2682,8 @@
           </a:lstStyle>
           <a:p>
             <a:r>
-              <a:rPr lang="en-US"/>
-              <a:t>Click to edit Master title style</a:t>
+              <a:rPr lang="he-IL"/>
+              <a:t>לחץ כדי לערוך סגנון כותרת של תבנית בסיס</a:t>
             </a:r>
             <a:endParaRPr lang="en-US" dirty="0"/>
           </a:p>
@@ -2703,36 +2706,36 @@
           <a:p>
             <a:pPr lvl="0"/>
             <a:r>
-              <a:rPr lang="en-US"/>
-              <a:t>Edit Master text styles</a:t>
+              <a:rPr lang="he-IL"/>
+              <a:t>ערוך סגנונות טקסט של תבנית בסיס</a:t>
             </a:r>
           </a:p>
           <a:p>
             <a:pPr lvl="1"/>
             <a:r>
-              <a:rPr lang="en-US"/>
-              <a:t>Second level</a:t>
+              <a:rPr lang="he-IL"/>
+              <a:t>רמה שניה</a:t>
             </a:r>
           </a:p>
           <a:p>
             <a:pPr lvl="2"/>
             <a:r>
-              <a:rPr lang="en-US"/>
-              <a:t>Third level</a:t>
+              <a:rPr lang="he-IL"/>
+              <a:t>רמה שלישית</a:t>
             </a:r>
           </a:p>
           <a:p>
             <a:pPr lvl="3"/>
             <a:r>
-              <a:rPr lang="en-US"/>
-              <a:t>Fourth level</a:t>
+              <a:rPr lang="he-IL"/>
+              <a:t>רמה רביעית</a:t>
             </a:r>
           </a:p>
           <a:p>
             <a:pPr lvl="4"/>
             <a:r>
-              <a:rPr lang="en-US"/>
-              <a:t>Fifth level</a:t>
+              <a:rPr lang="he-IL"/>
+              <a:t>רמה חמישית</a:t>
             </a:r>
             <a:endParaRPr lang="en-US" dirty="0"/>
           </a:p>
@@ -2755,7 +2758,7 @@
           <a:p>
             <a:fld id="{3C2D161F-016A-48C3-9013-27A0FC62FDD9}" type="datetimeFigureOut">
               <a:rPr lang="en-US" smtClean="0"/>
-              <a:t>4/27/2017</a:t>
+              <a:t>4/28/2017</a:t>
             </a:fld>
             <a:endParaRPr lang="en-US"/>
           </a:p>
@@ -2837,7 +2840,7 @@
     </p:spTree>
     <p:extLst>
       <p:ext uri="{BB962C8B-B14F-4D97-AF65-F5344CB8AC3E}">
-        <p14:creationId xmlns:p14="http://schemas.microsoft.com/office/powerpoint/2010/main" val="715421588"/>
+        <p14:creationId xmlns:p14="http://schemas.microsoft.com/office/powerpoint/2010/main" val="3808830855"/>
       </p:ext>
     </p:extLst>
   </p:cSld>
@@ -2849,7 +2852,7 @@
 
 <file path=ppt/slideLayouts/slideLayout17.xml><?xml version="1.0" encoding="utf-8"?>
 <p:sldLayout xmlns:a="http://schemas.openxmlformats.org/drawingml/2006/main" xmlns:r="http://schemas.openxmlformats.org/officeDocument/2006/relationships" xmlns:p="http://schemas.openxmlformats.org/presentationml/2006/main" type="vertTitleAndTx" preserve="1">
-  <p:cSld name="Vertical Title and Text">
+  <p:cSld name="כותרת אנכית וטקסט">
     <p:spTree>
       <p:nvGrpSpPr>
         <p:cNvPr id="1" name=""/>
@@ -2885,8 +2888,8 @@
           <a:lstStyle/>
           <a:p>
             <a:r>
-              <a:rPr lang="en-US"/>
-              <a:t>Click to edit Master title style</a:t>
+              <a:rPr lang="he-IL"/>
+              <a:t>לחץ כדי לערוך סגנון כותרת של תבנית בסיס</a:t>
             </a:r>
             <a:endParaRPr lang="en-US" dirty="0"/>
           </a:p>
@@ -2914,36 +2917,36 @@
           <a:p>
             <a:pPr lvl="0"/>
             <a:r>
-              <a:rPr lang="en-US"/>
-              <a:t>Edit Master text styles</a:t>
+              <a:rPr lang="he-IL"/>
+              <a:t>ערוך סגנונות טקסט של תבנית בסיס</a:t>
             </a:r>
           </a:p>
           <a:p>
             <a:pPr lvl="1"/>
             <a:r>
-              <a:rPr lang="en-US"/>
-              <a:t>Second level</a:t>
+              <a:rPr lang="he-IL"/>
+              <a:t>רמה שניה</a:t>
             </a:r>
           </a:p>
           <a:p>
             <a:pPr lvl="2"/>
             <a:r>
-              <a:rPr lang="en-US"/>
-              <a:t>Third level</a:t>
+              <a:rPr lang="he-IL"/>
+              <a:t>רמה שלישית</a:t>
             </a:r>
           </a:p>
           <a:p>
             <a:pPr lvl="3"/>
             <a:r>
-              <a:rPr lang="en-US"/>
-              <a:t>Fourth level</a:t>
+              <a:rPr lang="he-IL"/>
+              <a:t>רמה רביעית</a:t>
             </a:r>
           </a:p>
           <a:p>
             <a:pPr lvl="4"/>
             <a:r>
-              <a:rPr lang="en-US"/>
-              <a:t>Fifth level</a:t>
+              <a:rPr lang="he-IL"/>
+              <a:t>רמה חמישית</a:t>
             </a:r>
             <a:endParaRPr lang="en-US" dirty="0"/>
           </a:p>
@@ -2966,7 +2969,7 @@
           <a:p>
             <a:fld id="{3C2D161F-016A-48C3-9013-27A0FC62FDD9}" type="datetimeFigureOut">
               <a:rPr lang="en-US" smtClean="0"/>
-              <a:t>4/27/2017</a:t>
+              <a:t>4/28/2017</a:t>
             </a:fld>
             <a:endParaRPr lang="en-US"/>
           </a:p>
@@ -3048,24 +3051,19 @@
     </p:spTree>
     <p:extLst>
       <p:ext uri="{BB962C8B-B14F-4D97-AF65-F5344CB8AC3E}">
-        <p14:creationId xmlns:p14="http://schemas.microsoft.com/office/powerpoint/2010/main" val="3650284317"/>
+        <p14:creationId xmlns:p14="http://schemas.microsoft.com/office/powerpoint/2010/main" val="395013014"/>
       </p:ext>
     </p:extLst>
   </p:cSld>
   <p:clrMapOvr>
     <a:masterClrMapping/>
   </p:clrMapOvr>
-  <p:extLst>
-    <p:ext uri="{DCECCB84-F9BA-43D5-87BE-67443E8EF086}">
-      <p15:sldGuideLst xmlns:p15="http://schemas.microsoft.com/office/powerpoint/2012/main"/>
-    </p:ext>
-  </p:extLst>
 </p:sldLayout>
 </file>
 
 <file path=ppt/slideLayouts/slideLayout2.xml><?xml version="1.0" encoding="utf-8"?>
 <p:sldLayout xmlns:a="http://schemas.openxmlformats.org/drawingml/2006/main" xmlns:r="http://schemas.openxmlformats.org/officeDocument/2006/relationships" xmlns:p="http://schemas.openxmlformats.org/presentationml/2006/main" type="obj" preserve="1">
-  <p:cSld name="Title and Content">
+  <p:cSld name="כותרת ותוכן">
     <p:spTree>
       <p:nvGrpSpPr>
         <p:cNvPr id="1" name=""/>
@@ -3127,8 +3125,8 @@
           <a:lstStyle/>
           <a:p>
             <a:r>
-              <a:rPr lang="en-US"/>
-              <a:t>Click to edit Master title style</a:t>
+              <a:rPr lang="he-IL"/>
+              <a:t>לחץ כדי לערוך סגנון כותרת של תבנית בסיס</a:t>
             </a:r>
             <a:endParaRPr lang="en-US" dirty="0"/>
           </a:p>
@@ -3151,36 +3149,36 @@
           <a:p>
             <a:pPr lvl="0"/>
             <a:r>
-              <a:rPr lang="en-US"/>
-              <a:t>Edit Master text styles</a:t>
+              <a:rPr lang="he-IL"/>
+              <a:t>ערוך סגנונות טקסט של תבנית בסיס</a:t>
             </a:r>
           </a:p>
           <a:p>
             <a:pPr lvl="1"/>
             <a:r>
-              <a:rPr lang="en-US"/>
-              <a:t>Second level</a:t>
+              <a:rPr lang="he-IL"/>
+              <a:t>רמה שניה</a:t>
             </a:r>
           </a:p>
           <a:p>
             <a:pPr lvl="2"/>
             <a:r>
-              <a:rPr lang="en-US"/>
-              <a:t>Third level</a:t>
+              <a:rPr lang="he-IL"/>
+              <a:t>רמה שלישית</a:t>
             </a:r>
           </a:p>
           <a:p>
             <a:pPr lvl="3"/>
             <a:r>
-              <a:rPr lang="en-US"/>
-              <a:t>Fourth level</a:t>
+              <a:rPr lang="he-IL"/>
+              <a:t>רמה רביעית</a:t>
             </a:r>
           </a:p>
           <a:p>
             <a:pPr lvl="4"/>
             <a:r>
-              <a:rPr lang="en-US"/>
-              <a:t>Fifth level</a:t>
+              <a:rPr lang="he-IL"/>
+              <a:t>רמה חמישית</a:t>
             </a:r>
             <a:endParaRPr lang="en-US" dirty="0"/>
           </a:p>
@@ -3203,7 +3201,7 @@
           <a:p>
             <a:fld id="{3C2D161F-016A-48C3-9013-27A0FC62FDD9}" type="datetimeFigureOut">
               <a:rPr lang="en-US" smtClean="0"/>
-              <a:t>4/27/2017</a:t>
+              <a:t>4/28/2017</a:t>
             </a:fld>
             <a:endParaRPr lang="en-US"/>
           </a:p>
@@ -3254,7 +3252,7 @@
     </p:spTree>
     <p:extLst>
       <p:ext uri="{BB962C8B-B14F-4D97-AF65-F5344CB8AC3E}">
-        <p14:creationId xmlns:p14="http://schemas.microsoft.com/office/powerpoint/2010/main" val="1108914491"/>
+        <p14:creationId xmlns:p14="http://schemas.microsoft.com/office/powerpoint/2010/main" val="2084256061"/>
       </p:ext>
     </p:extLst>
   </p:cSld>
@@ -3266,7 +3264,7 @@
 
 <file path=ppt/slideLayouts/slideLayout3.xml><?xml version="1.0" encoding="utf-8"?>
 <p:sldLayout xmlns:a="http://schemas.openxmlformats.org/drawingml/2006/main" xmlns:r="http://schemas.openxmlformats.org/officeDocument/2006/relationships" xmlns:p="http://schemas.openxmlformats.org/presentationml/2006/main" type="secHead" preserve="1">
-  <p:cSld name="Section Header">
+  <p:cSld name="כותרת מקטע עליונה">
     <p:spTree>
       <p:nvGrpSpPr>
         <p:cNvPr id="1" name=""/>
@@ -3308,8 +3306,8 @@
           </a:lstStyle>
           <a:p>
             <a:r>
-              <a:rPr lang="en-US"/>
-              <a:t>Click to edit Master title style</a:t>
+              <a:rPr lang="he-IL"/>
+              <a:t>לחץ כדי לערוך סגנון כותרת של תבנית בסיס</a:t>
             </a:r>
             <a:endParaRPr lang="en-US" dirty="0"/>
           </a:p>
@@ -3428,8 +3426,8 @@
           <a:p>
             <a:pPr lvl="0"/>
             <a:r>
-              <a:rPr lang="en-US"/>
-              <a:t>Edit Master text styles</a:t>
+              <a:rPr lang="he-IL"/>
+              <a:t>ערוך סגנונות טקסט של תבנית בסיס</a:t>
             </a:r>
           </a:p>
         </p:txBody>
@@ -3451,7 +3449,7 @@
           <a:p>
             <a:fld id="{3C2D161F-016A-48C3-9013-27A0FC62FDD9}" type="datetimeFigureOut">
               <a:rPr lang="en-US" smtClean="0"/>
-              <a:t>4/27/2017</a:t>
+              <a:t>4/28/2017</a:t>
             </a:fld>
             <a:endParaRPr lang="en-US"/>
           </a:p>
@@ -3533,24 +3531,19 @@
     </p:spTree>
     <p:extLst>
       <p:ext uri="{BB962C8B-B14F-4D97-AF65-F5344CB8AC3E}">
-        <p14:creationId xmlns:p14="http://schemas.microsoft.com/office/powerpoint/2010/main" val="2537246865"/>
+        <p14:creationId xmlns:p14="http://schemas.microsoft.com/office/powerpoint/2010/main" val="4206849432"/>
       </p:ext>
     </p:extLst>
   </p:cSld>
   <p:clrMapOvr>
     <a:masterClrMapping/>
   </p:clrMapOvr>
-  <p:extLst>
-    <p:ext uri="{DCECCB84-F9BA-43D5-87BE-67443E8EF086}">
-      <p15:sldGuideLst xmlns:p15="http://schemas.microsoft.com/office/powerpoint/2012/main"/>
-    </p:ext>
-  </p:extLst>
 </p:sldLayout>
 </file>
 
 <file path=ppt/slideLayouts/slideLayout4.xml><?xml version="1.0" encoding="utf-8"?>
 <p:sldLayout xmlns:a="http://schemas.openxmlformats.org/drawingml/2006/main" xmlns:r="http://schemas.openxmlformats.org/officeDocument/2006/relationships" xmlns:p="http://schemas.openxmlformats.org/presentationml/2006/main" type="twoObj" preserve="1">
-  <p:cSld name="Two Content">
+  <p:cSld name="שני תכנים">
     <p:spTree>
       <p:nvGrpSpPr>
         <p:cNvPr id="1" name=""/>
@@ -3612,8 +3605,8 @@
           <a:lstStyle/>
           <a:p>
             <a:r>
-              <a:rPr lang="en-US"/>
-              <a:t>Click to edit Master title style</a:t>
+              <a:rPr lang="he-IL"/>
+              <a:t>לחץ כדי לערוך סגנון כותרת של תבנית בסיס</a:t>
             </a:r>
             <a:endParaRPr lang="en-US" dirty="0"/>
           </a:p>
@@ -3643,36 +3636,36 @@
           <a:p>
             <a:pPr lvl="0"/>
             <a:r>
-              <a:rPr lang="en-US"/>
-              <a:t>Edit Master text styles</a:t>
+              <a:rPr lang="he-IL"/>
+              <a:t>ערוך סגנונות טקסט של תבנית בסיס</a:t>
             </a:r>
           </a:p>
           <a:p>
             <a:pPr lvl="1"/>
             <a:r>
-              <a:rPr lang="en-US"/>
-              <a:t>Second level</a:t>
+              <a:rPr lang="he-IL"/>
+              <a:t>רמה שניה</a:t>
             </a:r>
           </a:p>
           <a:p>
             <a:pPr lvl="2"/>
             <a:r>
-              <a:rPr lang="en-US"/>
-              <a:t>Third level</a:t>
+              <a:rPr lang="he-IL"/>
+              <a:t>רמה שלישית</a:t>
             </a:r>
           </a:p>
           <a:p>
             <a:pPr lvl="3"/>
             <a:r>
-              <a:rPr lang="en-US"/>
-              <a:t>Fourth level</a:t>
+              <a:rPr lang="he-IL"/>
+              <a:t>רמה רביעית</a:t>
             </a:r>
           </a:p>
           <a:p>
             <a:pPr lvl="4"/>
             <a:r>
-              <a:rPr lang="en-US"/>
-              <a:t>Fifth level</a:t>
+              <a:rPr lang="he-IL"/>
+              <a:t>רמה חמישית</a:t>
             </a:r>
             <a:endParaRPr lang="en-US" dirty="0"/>
           </a:p>
@@ -3702,36 +3695,36 @@
           <a:p>
             <a:pPr lvl="0"/>
             <a:r>
-              <a:rPr lang="en-US"/>
-              <a:t>Edit Master text styles</a:t>
+              <a:rPr lang="he-IL"/>
+              <a:t>ערוך סגנונות טקסט של תבנית בסיס</a:t>
             </a:r>
           </a:p>
           <a:p>
             <a:pPr lvl="1"/>
             <a:r>
-              <a:rPr lang="en-US"/>
-              <a:t>Second level</a:t>
+              <a:rPr lang="he-IL"/>
+              <a:t>רמה שניה</a:t>
             </a:r>
           </a:p>
           <a:p>
             <a:pPr lvl="2"/>
             <a:r>
-              <a:rPr lang="en-US"/>
-              <a:t>Third level</a:t>
+              <a:rPr lang="he-IL"/>
+              <a:t>רמה שלישית</a:t>
             </a:r>
           </a:p>
           <a:p>
             <a:pPr lvl="3"/>
             <a:r>
-              <a:rPr lang="en-US"/>
-              <a:t>Fourth level</a:t>
+              <a:rPr lang="he-IL"/>
+              <a:t>רמה רביעית</a:t>
             </a:r>
           </a:p>
           <a:p>
             <a:pPr lvl="4"/>
             <a:r>
-              <a:rPr lang="en-US"/>
-              <a:t>Fifth level</a:t>
+              <a:rPr lang="he-IL"/>
+              <a:t>רמה חמישית</a:t>
             </a:r>
             <a:endParaRPr lang="en-US" dirty="0"/>
           </a:p>
@@ -3754,7 +3747,7 @@
           <a:p>
             <a:fld id="{3C2D161F-016A-48C3-9013-27A0FC62FDD9}" type="datetimeFigureOut">
               <a:rPr lang="en-US" smtClean="0"/>
-              <a:t>4/27/2017</a:t>
+              <a:t>4/28/2017</a:t>
             </a:fld>
             <a:endParaRPr lang="en-US"/>
           </a:p>
@@ -3805,24 +3798,19 @@
     </p:spTree>
     <p:extLst>
       <p:ext uri="{BB962C8B-B14F-4D97-AF65-F5344CB8AC3E}">
-        <p14:creationId xmlns:p14="http://schemas.microsoft.com/office/powerpoint/2010/main" val="2987201876"/>
+        <p14:creationId xmlns:p14="http://schemas.microsoft.com/office/powerpoint/2010/main" val="724930319"/>
       </p:ext>
     </p:extLst>
   </p:cSld>
   <p:clrMapOvr>
     <a:masterClrMapping/>
   </p:clrMapOvr>
-  <p:extLst>
-    <p:ext uri="{DCECCB84-F9BA-43D5-87BE-67443E8EF086}">
-      <p15:sldGuideLst xmlns:p15="http://schemas.microsoft.com/office/powerpoint/2012/main"/>
-    </p:ext>
-  </p:extLst>
 </p:sldLayout>
 </file>
 
 <file path=ppt/slideLayouts/slideLayout5.xml><?xml version="1.0" encoding="utf-8"?>
 <p:sldLayout xmlns:a="http://schemas.openxmlformats.org/drawingml/2006/main" xmlns:r="http://schemas.openxmlformats.org/officeDocument/2006/relationships" xmlns:p="http://schemas.openxmlformats.org/presentationml/2006/main" type="twoTxTwoObj" preserve="1">
-  <p:cSld name="Comparison">
+  <p:cSld name="השוואה">
     <p:spTree>
       <p:nvGrpSpPr>
         <p:cNvPr id="1" name=""/>
@@ -3857,8 +3845,8 @@
           </a:lstStyle>
           <a:p>
             <a:r>
-              <a:rPr lang="en-US"/>
-              <a:t>Click to edit Master title style</a:t>
+              <a:rPr lang="he-IL"/>
+              <a:t>לחץ כדי לערוך סגנון כותרת של תבנית בסיס</a:t>
             </a:r>
             <a:endParaRPr lang="en-US" dirty="0"/>
           </a:p>
@@ -3935,8 +3923,8 @@
           <a:p>
             <a:pPr lvl="0"/>
             <a:r>
-              <a:rPr lang="en-US"/>
-              <a:t>Edit Master text styles</a:t>
+              <a:rPr lang="he-IL"/>
+              <a:t>ערוך סגנונות טקסט של תבנית בסיס</a:t>
             </a:r>
           </a:p>
         </p:txBody>
@@ -3965,36 +3953,36 @@
           <a:p>
             <a:pPr lvl="0"/>
             <a:r>
-              <a:rPr lang="en-US"/>
-              <a:t>Edit Master text styles</a:t>
+              <a:rPr lang="he-IL"/>
+              <a:t>ערוך סגנונות טקסט של תבנית בסיס</a:t>
             </a:r>
           </a:p>
           <a:p>
             <a:pPr lvl="1"/>
             <a:r>
-              <a:rPr lang="en-US"/>
-              <a:t>Second level</a:t>
+              <a:rPr lang="he-IL"/>
+              <a:t>רמה שניה</a:t>
             </a:r>
           </a:p>
           <a:p>
             <a:pPr lvl="2"/>
             <a:r>
-              <a:rPr lang="en-US"/>
-              <a:t>Third level</a:t>
+              <a:rPr lang="he-IL"/>
+              <a:t>רמה שלישית</a:t>
             </a:r>
           </a:p>
           <a:p>
             <a:pPr lvl="3"/>
             <a:r>
-              <a:rPr lang="en-US"/>
-              <a:t>Fourth level</a:t>
+              <a:rPr lang="he-IL"/>
+              <a:t>רמה רביעית</a:t>
             </a:r>
           </a:p>
           <a:p>
             <a:pPr lvl="4"/>
             <a:r>
-              <a:rPr lang="en-US"/>
-              <a:t>Fifth level</a:t>
+              <a:rPr lang="he-IL"/>
+              <a:t>רמה חמישית</a:t>
             </a:r>
             <a:endParaRPr lang="en-US" dirty="0"/>
           </a:p>
@@ -4071,8 +4059,8 @@
           <a:p>
             <a:pPr lvl="0"/>
             <a:r>
-              <a:rPr lang="en-US"/>
-              <a:t>Edit Master text styles</a:t>
+              <a:rPr lang="he-IL"/>
+              <a:t>ערוך סגנונות טקסט של תבנית בסיס</a:t>
             </a:r>
           </a:p>
         </p:txBody>
@@ -4101,36 +4089,36 @@
           <a:p>
             <a:pPr lvl="0"/>
             <a:r>
-              <a:rPr lang="en-US"/>
-              <a:t>Edit Master text styles</a:t>
+              <a:rPr lang="he-IL"/>
+              <a:t>ערוך סגנונות טקסט של תבנית בסיס</a:t>
             </a:r>
           </a:p>
           <a:p>
             <a:pPr lvl="1"/>
             <a:r>
-              <a:rPr lang="en-US"/>
-              <a:t>Second level</a:t>
+              <a:rPr lang="he-IL"/>
+              <a:t>רמה שניה</a:t>
             </a:r>
           </a:p>
           <a:p>
             <a:pPr lvl="2"/>
             <a:r>
-              <a:rPr lang="en-US"/>
-              <a:t>Third level</a:t>
+              <a:rPr lang="he-IL"/>
+              <a:t>רמה שלישית</a:t>
             </a:r>
           </a:p>
           <a:p>
             <a:pPr lvl="3"/>
             <a:r>
-              <a:rPr lang="en-US"/>
-              <a:t>Fourth level</a:t>
+              <a:rPr lang="he-IL"/>
+              <a:t>רמה רביעית</a:t>
             </a:r>
           </a:p>
           <a:p>
             <a:pPr lvl="4"/>
             <a:r>
-              <a:rPr lang="en-US"/>
-              <a:t>Fifth level</a:t>
+              <a:rPr lang="he-IL"/>
+              <a:t>רמה חמישית</a:t>
             </a:r>
             <a:endParaRPr lang="en-US" dirty="0"/>
           </a:p>
@@ -4153,7 +4141,7 @@
           <a:p>
             <a:fld id="{3C2D161F-016A-48C3-9013-27A0FC62FDD9}" type="datetimeFigureOut">
               <a:rPr lang="en-US" smtClean="0"/>
-              <a:t>4/27/2017</a:t>
+              <a:t>4/28/2017</a:t>
             </a:fld>
             <a:endParaRPr lang="en-US"/>
           </a:p>
@@ -4235,24 +4223,19 @@
     </p:spTree>
     <p:extLst>
       <p:ext uri="{BB962C8B-B14F-4D97-AF65-F5344CB8AC3E}">
-        <p14:creationId xmlns:p14="http://schemas.microsoft.com/office/powerpoint/2010/main" val="744228801"/>
+        <p14:creationId xmlns:p14="http://schemas.microsoft.com/office/powerpoint/2010/main" val="4155978519"/>
       </p:ext>
     </p:extLst>
   </p:cSld>
   <p:clrMapOvr>
     <a:masterClrMapping/>
   </p:clrMapOvr>
-  <p:extLst>
-    <p:ext uri="{DCECCB84-F9BA-43D5-87BE-67443E8EF086}">
-      <p15:sldGuideLst xmlns:p15="http://schemas.microsoft.com/office/powerpoint/2012/main"/>
-    </p:ext>
-  </p:extLst>
 </p:sldLayout>
 </file>
 
 <file path=ppt/slideLayouts/slideLayout6.xml><?xml version="1.0" encoding="utf-8"?>
 <p:sldLayout xmlns:a="http://schemas.openxmlformats.org/drawingml/2006/main" xmlns:r="http://schemas.openxmlformats.org/officeDocument/2006/relationships" xmlns:p="http://schemas.openxmlformats.org/presentationml/2006/main" type="titleOnly" preserve="1">
-  <p:cSld name="Title Only">
+  <p:cSld name="כותרת בלבד">
     <p:spTree>
       <p:nvGrpSpPr>
         <p:cNvPr id="1" name=""/>
@@ -4283,8 +4266,8 @@
           <a:lstStyle/>
           <a:p>
             <a:r>
-              <a:rPr lang="en-US"/>
-              <a:t>Click to edit Master title style</a:t>
+              <a:rPr lang="he-IL"/>
+              <a:t>לחץ כדי לערוך סגנון כותרת של תבנית בסיס</a:t>
             </a:r>
             <a:endParaRPr lang="en-US" dirty="0"/>
           </a:p>
@@ -4307,7 +4290,7 @@
           <a:p>
             <a:fld id="{3C2D161F-016A-48C3-9013-27A0FC62FDD9}" type="datetimeFigureOut">
               <a:rPr lang="en-US" smtClean="0"/>
-              <a:t>4/27/2017</a:t>
+              <a:t>4/28/2017</a:t>
             </a:fld>
             <a:endParaRPr lang="en-US"/>
           </a:p>
@@ -4389,7 +4372,7 @@
     </p:spTree>
     <p:extLst>
       <p:ext uri="{BB962C8B-B14F-4D97-AF65-F5344CB8AC3E}">
-        <p14:creationId xmlns:p14="http://schemas.microsoft.com/office/powerpoint/2010/main" val="1996948536"/>
+        <p14:creationId xmlns:p14="http://schemas.microsoft.com/office/powerpoint/2010/main" val="1978942988"/>
       </p:ext>
     </p:extLst>
   </p:cSld>
@@ -4401,7 +4384,7 @@
 
 <file path=ppt/slideLayouts/slideLayout7.xml><?xml version="1.0" encoding="utf-8"?>
 <p:sldLayout xmlns:a="http://schemas.openxmlformats.org/drawingml/2006/main" xmlns:r="http://schemas.openxmlformats.org/officeDocument/2006/relationships" xmlns:p="http://schemas.openxmlformats.org/presentationml/2006/main" type="blank" preserve="1">
-  <p:cSld name="Blank">
+  <p:cSld name="ריק">
     <p:spTree>
       <p:nvGrpSpPr>
         <p:cNvPr id="1" name=""/>
@@ -4433,7 +4416,7 @@
           <a:p>
             <a:fld id="{3C2D161F-016A-48C3-9013-27A0FC62FDD9}" type="datetimeFigureOut">
               <a:rPr lang="en-US" smtClean="0"/>
-              <a:t>4/27/2017</a:t>
+              <a:t>4/28/2017</a:t>
             </a:fld>
             <a:endParaRPr lang="en-US"/>
           </a:p>
@@ -4484,24 +4467,19 @@
     </p:spTree>
     <p:extLst>
       <p:ext uri="{BB962C8B-B14F-4D97-AF65-F5344CB8AC3E}">
-        <p14:creationId xmlns:p14="http://schemas.microsoft.com/office/powerpoint/2010/main" val="3695710556"/>
+        <p14:creationId xmlns:p14="http://schemas.microsoft.com/office/powerpoint/2010/main" val="2982999156"/>
       </p:ext>
     </p:extLst>
   </p:cSld>
   <p:clrMapOvr>
     <a:masterClrMapping/>
   </p:clrMapOvr>
-  <p:extLst>
-    <p:ext uri="{DCECCB84-F9BA-43D5-87BE-67443E8EF086}">
-      <p15:sldGuideLst xmlns:p15="http://schemas.microsoft.com/office/powerpoint/2012/main"/>
-    </p:ext>
-  </p:extLst>
 </p:sldLayout>
 </file>
 
 <file path=ppt/slideLayouts/slideLayout8.xml><?xml version="1.0" encoding="utf-8"?>
 <p:sldLayout xmlns:a="http://schemas.openxmlformats.org/drawingml/2006/main" xmlns:r="http://schemas.openxmlformats.org/officeDocument/2006/relationships" xmlns:p="http://schemas.openxmlformats.org/presentationml/2006/main" type="objTx" preserve="1">
-  <p:cSld name="Content with Caption">
+  <p:cSld name="תוכן עם כיתוב">
     <p:spTree>
       <p:nvGrpSpPr>
         <p:cNvPr id="1" name=""/>
@@ -4543,8 +4521,8 @@
           </a:lstStyle>
           <a:p>
             <a:r>
-              <a:rPr lang="en-US"/>
-              <a:t>Click to edit Master title style</a:t>
+              <a:rPr lang="he-IL"/>
+              <a:t>לחץ כדי לערוך סגנון כותרת של תבנית בסיס</a:t>
             </a:r>
             <a:endParaRPr lang="en-US" dirty="0"/>
           </a:p>
@@ -4574,36 +4552,36 @@
           <a:p>
             <a:pPr lvl="0"/>
             <a:r>
-              <a:rPr lang="en-US"/>
-              <a:t>Edit Master text styles</a:t>
+              <a:rPr lang="he-IL"/>
+              <a:t>ערוך סגנונות טקסט של תבנית בסיס</a:t>
             </a:r>
           </a:p>
           <a:p>
             <a:pPr lvl="1"/>
             <a:r>
-              <a:rPr lang="en-US"/>
-              <a:t>Second level</a:t>
+              <a:rPr lang="he-IL"/>
+              <a:t>רמה שניה</a:t>
             </a:r>
           </a:p>
           <a:p>
             <a:pPr lvl="2"/>
             <a:r>
-              <a:rPr lang="en-US"/>
-              <a:t>Third level</a:t>
+              <a:rPr lang="he-IL"/>
+              <a:t>רמה שלישית</a:t>
             </a:r>
           </a:p>
           <a:p>
             <a:pPr lvl="3"/>
             <a:r>
-              <a:rPr lang="en-US"/>
-              <a:t>Fourth level</a:t>
+              <a:rPr lang="he-IL"/>
+              <a:t>רמה רביעית</a:t>
             </a:r>
           </a:p>
           <a:p>
             <a:pPr lvl="4"/>
             <a:r>
-              <a:rPr lang="en-US"/>
-              <a:t>Fifth level</a:t>
+              <a:rPr lang="he-IL"/>
+              <a:t>רמה חמישית</a:t>
             </a:r>
             <a:endParaRPr lang="en-US" dirty="0"/>
           </a:p>
@@ -4670,8 +4648,8 @@
           <a:p>
             <a:pPr lvl="0"/>
             <a:r>
-              <a:rPr lang="en-US"/>
-              <a:t>Edit Master text styles</a:t>
+              <a:rPr lang="he-IL"/>
+              <a:t>ערוך סגנונות טקסט של תבנית בסיס</a:t>
             </a:r>
           </a:p>
         </p:txBody>
@@ -4693,7 +4671,7 @@
           <a:p>
             <a:fld id="{3C2D161F-016A-48C3-9013-27A0FC62FDD9}" type="datetimeFigureOut">
               <a:rPr lang="en-US" smtClean="0"/>
-              <a:t>4/27/2017</a:t>
+              <a:t>4/28/2017</a:t>
             </a:fld>
             <a:endParaRPr lang="en-US"/>
           </a:p>
@@ -4775,24 +4753,19 @@
     </p:spTree>
     <p:extLst>
       <p:ext uri="{BB962C8B-B14F-4D97-AF65-F5344CB8AC3E}">
-        <p14:creationId xmlns:p14="http://schemas.microsoft.com/office/powerpoint/2010/main" val="921666409"/>
+        <p14:creationId xmlns:p14="http://schemas.microsoft.com/office/powerpoint/2010/main" val="2438898922"/>
       </p:ext>
     </p:extLst>
   </p:cSld>
   <p:clrMapOvr>
     <a:masterClrMapping/>
   </p:clrMapOvr>
-  <p:extLst>
-    <p:ext uri="{DCECCB84-F9BA-43D5-87BE-67443E8EF086}">
-      <p15:sldGuideLst xmlns:p15="http://schemas.microsoft.com/office/powerpoint/2012/main"/>
-    </p:ext>
-  </p:extLst>
 </p:sldLayout>
 </file>
 
 <file path=ppt/slideLayouts/slideLayout9.xml><?xml version="1.0" encoding="utf-8"?>
 <p:sldLayout xmlns:a="http://schemas.openxmlformats.org/drawingml/2006/main" xmlns:r="http://schemas.openxmlformats.org/officeDocument/2006/relationships" xmlns:p="http://schemas.openxmlformats.org/presentationml/2006/main" type="picTx" preserve="1">
-  <p:cSld name="Picture with Caption">
+  <p:cSld name="תמונה עם כיתוב">
     <p:spTree>
       <p:nvGrpSpPr>
         <p:cNvPr id="1" name=""/>
@@ -4834,8 +4807,8 @@
           </a:lstStyle>
           <a:p>
             <a:r>
-              <a:rPr lang="en-US"/>
-              <a:t>Click to edit Master title style</a:t>
+              <a:rPr lang="he-IL"/>
+              <a:t>לחץ כדי לערוך סגנון כותרת של תבנית בסיס</a:t>
             </a:r>
             <a:endParaRPr lang="en-US" dirty="0"/>
           </a:p>
@@ -4922,8 +4895,8 @@
           </a:lstStyle>
           <a:p>
             <a:r>
-              <a:rPr lang="en-US"/>
-              <a:t>Click icon to add picture</a:t>
+              <a:rPr lang="he-IL"/>
+              <a:t>לחץ על הסמל כדי להוסיף תמונה</a:t>
             </a:r>
             <a:endParaRPr lang="en-US" dirty="0"/>
           </a:p>
@@ -4990,8 +4963,8 @@
           <a:p>
             <a:pPr lvl="0"/>
             <a:r>
-              <a:rPr lang="en-US"/>
-              <a:t>Edit Master text styles</a:t>
+              <a:rPr lang="he-IL"/>
+              <a:t>ערוך סגנונות טקסט של תבנית בסיס</a:t>
             </a:r>
           </a:p>
         </p:txBody>
@@ -5013,7 +4986,7 @@
           <a:p>
             <a:fld id="{3C2D161F-016A-48C3-9013-27A0FC62FDD9}" type="datetimeFigureOut">
               <a:rPr lang="en-US" smtClean="0"/>
-              <a:t>4/27/2017</a:t>
+              <a:t>4/28/2017</a:t>
             </a:fld>
             <a:endParaRPr lang="en-US"/>
           </a:p>
@@ -5064,7 +5037,7 @@
     </p:spTree>
     <p:extLst>
       <p:ext uri="{BB962C8B-B14F-4D97-AF65-F5344CB8AC3E}">
-        <p14:creationId xmlns:p14="http://schemas.microsoft.com/office/powerpoint/2010/main" val="2281121335"/>
+        <p14:creationId xmlns:p14="http://schemas.microsoft.com/office/powerpoint/2010/main" val="3552874425"/>
       </p:ext>
     </p:extLst>
   </p:cSld>
@@ -5260,8 +5233,8 @@
           <a:lstStyle/>
           <a:p>
             <a:r>
-              <a:rPr lang="en-US"/>
-              <a:t>Click to edit Master title style</a:t>
+              <a:rPr lang="he-IL"/>
+              <a:t>לחץ כדי לערוך סגנון כותרת של תבנית בסיס</a:t>
             </a:r>
             <a:endParaRPr lang="en-US" dirty="0"/>
           </a:p>
@@ -5294,36 +5267,36 @@
           <a:p>
             <a:pPr lvl="0"/>
             <a:r>
-              <a:rPr lang="en-US"/>
-              <a:t>Edit Master text styles</a:t>
+              <a:rPr lang="he-IL"/>
+              <a:t>ערוך סגנונות טקסט של תבנית בסיס</a:t>
             </a:r>
           </a:p>
           <a:p>
             <a:pPr lvl="1"/>
             <a:r>
-              <a:rPr lang="en-US"/>
-              <a:t>Second level</a:t>
+              <a:rPr lang="he-IL"/>
+              <a:t>רמה שניה</a:t>
             </a:r>
           </a:p>
           <a:p>
             <a:pPr lvl="2"/>
             <a:r>
-              <a:rPr lang="en-US"/>
-              <a:t>Third level</a:t>
+              <a:rPr lang="he-IL"/>
+              <a:t>רמה שלישית</a:t>
             </a:r>
           </a:p>
           <a:p>
             <a:pPr lvl="3"/>
             <a:r>
-              <a:rPr lang="en-US"/>
-              <a:t>Fourth level</a:t>
+              <a:rPr lang="he-IL"/>
+              <a:t>רמה רביעית</a:t>
             </a:r>
           </a:p>
           <a:p>
             <a:pPr lvl="4"/>
             <a:r>
-              <a:rPr lang="en-US"/>
-              <a:t>Fifth level</a:t>
+              <a:rPr lang="he-IL"/>
+              <a:t>רמה חמישית</a:t>
             </a:r>
             <a:endParaRPr lang="en-US" dirty="0"/>
           </a:p>
@@ -5364,7 +5337,7 @@
           <a:p>
             <a:fld id="{3C2D161F-016A-48C3-9013-27A0FC62FDD9}" type="datetimeFigureOut">
               <a:rPr lang="en-US" smtClean="0"/>
-              <a:t>4/27/2017</a:t>
+              <a:t>4/28/2017</a:t>
             </a:fld>
             <a:endParaRPr lang="en-US"/>
           </a:p>
@@ -5451,33 +5424,33 @@
     </p:spTree>
     <p:extLst>
       <p:ext uri="{BB962C8B-B14F-4D97-AF65-F5344CB8AC3E}">
-        <p14:creationId xmlns:p14="http://schemas.microsoft.com/office/powerpoint/2010/main" val="2150659875"/>
+        <p14:creationId xmlns:p14="http://schemas.microsoft.com/office/powerpoint/2010/main" val="2681533580"/>
       </p:ext>
     </p:extLst>
   </p:cSld>
   <p:clrMap bg1="lt1" tx1="dk1" bg2="lt2" tx2="dk2" accent1="accent1" accent2="accent2" accent3="accent3" accent4="accent4" accent5="accent5" accent6="accent6" hlink="hlink" folHlink="folHlink"/>
   <p:sldLayoutIdLst>
-    <p:sldLayoutId id="2147484029" r:id="rId1"/>
-    <p:sldLayoutId id="2147484030" r:id="rId2"/>
-    <p:sldLayoutId id="2147484031" r:id="rId3"/>
-    <p:sldLayoutId id="2147484032" r:id="rId4"/>
-    <p:sldLayoutId id="2147484033" r:id="rId5"/>
-    <p:sldLayoutId id="2147484034" r:id="rId6"/>
-    <p:sldLayoutId id="2147484035" r:id="rId7"/>
-    <p:sldLayoutId id="2147484036" r:id="rId8"/>
-    <p:sldLayoutId id="2147484037" r:id="rId9"/>
-    <p:sldLayoutId id="2147484038" r:id="rId10"/>
-    <p:sldLayoutId id="2147484039" r:id="rId11"/>
-    <p:sldLayoutId id="2147484040" r:id="rId12"/>
-    <p:sldLayoutId id="2147484041" r:id="rId13"/>
-    <p:sldLayoutId id="2147484042" r:id="rId14"/>
-    <p:sldLayoutId id="2147484043" r:id="rId15"/>
-    <p:sldLayoutId id="2147484044" r:id="rId16"/>
-    <p:sldLayoutId id="2147484045" r:id="rId17"/>
+    <p:sldLayoutId id="2147484059" r:id="rId1"/>
+    <p:sldLayoutId id="2147484060" r:id="rId2"/>
+    <p:sldLayoutId id="2147484061" r:id="rId3"/>
+    <p:sldLayoutId id="2147484062" r:id="rId4"/>
+    <p:sldLayoutId id="2147484063" r:id="rId5"/>
+    <p:sldLayoutId id="2147484064" r:id="rId6"/>
+    <p:sldLayoutId id="2147484065" r:id="rId7"/>
+    <p:sldLayoutId id="2147484066" r:id="rId8"/>
+    <p:sldLayoutId id="2147484067" r:id="rId9"/>
+    <p:sldLayoutId id="2147484068" r:id="rId10"/>
+    <p:sldLayoutId id="2147484069" r:id="rId11"/>
+    <p:sldLayoutId id="2147484070" r:id="rId12"/>
+    <p:sldLayoutId id="2147484071" r:id="rId13"/>
+    <p:sldLayoutId id="2147484072" r:id="rId14"/>
+    <p:sldLayoutId id="2147484073" r:id="rId15"/>
+    <p:sldLayoutId id="2147484074" r:id="rId16"/>
+    <p:sldLayoutId id="2147484075" r:id="rId17"/>
   </p:sldLayoutIdLst>
   <p:txStyles>
     <p:titleStyle>
-      <a:lvl1pPr algn="ctr" defTabSz="457200" rtl="0" eaLnBrk="1" latinLnBrk="0" hangingPunct="1">
+      <a:lvl1pPr algn="ctr" defTabSz="457200" rtl="1" eaLnBrk="1" latinLnBrk="0" hangingPunct="1">
         <a:spcBef>
           <a:spcPct val="0"/>
         </a:spcBef>
@@ -5498,56 +5471,56 @@
           <a:cs typeface="+mj-cs"/>
         </a:defRPr>
       </a:lvl1pPr>
-      <a:lvl2pPr eaLnBrk="1" hangingPunct="1">
+      <a:lvl2pPr rtl="1" eaLnBrk="1" hangingPunct="1">
         <a:defRPr>
           <a:solidFill>
             <a:schemeClr val="tx2"/>
           </a:solidFill>
         </a:defRPr>
       </a:lvl2pPr>
-      <a:lvl3pPr eaLnBrk="1" hangingPunct="1">
+      <a:lvl3pPr rtl="1" eaLnBrk="1" hangingPunct="1">
         <a:defRPr>
           <a:solidFill>
             <a:schemeClr val="tx2"/>
           </a:solidFill>
         </a:defRPr>
       </a:lvl3pPr>
-      <a:lvl4pPr eaLnBrk="1" hangingPunct="1">
+      <a:lvl4pPr rtl="1" eaLnBrk="1" hangingPunct="1">
         <a:defRPr>
           <a:solidFill>
             <a:schemeClr val="tx2"/>
           </a:solidFill>
         </a:defRPr>
       </a:lvl4pPr>
-      <a:lvl5pPr eaLnBrk="1" hangingPunct="1">
+      <a:lvl5pPr rtl="1" eaLnBrk="1" hangingPunct="1">
         <a:defRPr>
           <a:solidFill>
             <a:schemeClr val="tx2"/>
           </a:solidFill>
         </a:defRPr>
       </a:lvl5pPr>
-      <a:lvl6pPr eaLnBrk="1" hangingPunct="1">
+      <a:lvl6pPr rtl="1" eaLnBrk="1" hangingPunct="1">
         <a:defRPr>
           <a:solidFill>
             <a:schemeClr val="tx2"/>
           </a:solidFill>
         </a:defRPr>
       </a:lvl6pPr>
-      <a:lvl7pPr eaLnBrk="1" hangingPunct="1">
+      <a:lvl7pPr rtl="1" eaLnBrk="1" hangingPunct="1">
         <a:defRPr>
           <a:solidFill>
             <a:schemeClr val="tx2"/>
           </a:solidFill>
         </a:defRPr>
       </a:lvl7pPr>
-      <a:lvl8pPr eaLnBrk="1" hangingPunct="1">
+      <a:lvl8pPr rtl="1" eaLnBrk="1" hangingPunct="1">
         <a:defRPr>
           <a:solidFill>
             <a:schemeClr val="tx2"/>
           </a:solidFill>
         </a:defRPr>
       </a:lvl8pPr>
-      <a:lvl9pPr eaLnBrk="1" hangingPunct="1">
+      <a:lvl9pPr rtl="1" eaLnBrk="1" hangingPunct="1">
         <a:defRPr>
           <a:solidFill>
             <a:schemeClr val="tx2"/>
@@ -5556,7 +5529,7 @@
       </a:lvl9pPr>
     </p:titleStyle>
     <p:bodyStyle>
-      <a:lvl1pPr marL="285750" indent="-285750" algn="l" defTabSz="457200" rtl="0" eaLnBrk="1" latinLnBrk="0" hangingPunct="1">
+      <a:lvl1pPr marL="285750" indent="-285750" algn="r" defTabSz="457200" rtl="1" eaLnBrk="1" latinLnBrk="0" hangingPunct="1">
         <a:spcBef>
           <a:spcPct val="20000"/>
         </a:spcBef>
@@ -5582,7 +5555,7 @@
           <a:cs typeface="+mn-cs"/>
         </a:defRPr>
       </a:lvl1pPr>
-      <a:lvl2pPr marL="742950" indent="-285750" algn="l" defTabSz="457200" rtl="0" eaLnBrk="1" latinLnBrk="0" hangingPunct="1">
+      <a:lvl2pPr marL="742950" indent="-285750" algn="r" defTabSz="457200" rtl="1" eaLnBrk="1" latinLnBrk="0" hangingPunct="1">
         <a:spcBef>
           <a:spcPct val="20000"/>
         </a:spcBef>
@@ -5608,7 +5581,7 @@
           <a:cs typeface="+mn-cs"/>
         </a:defRPr>
       </a:lvl2pPr>
-      <a:lvl3pPr marL="1200150" indent="-285750" algn="l" defTabSz="457200" rtl="0" eaLnBrk="1" latinLnBrk="0" hangingPunct="1">
+      <a:lvl3pPr marL="1200150" indent="-285750" algn="r" defTabSz="457200" rtl="1" eaLnBrk="1" latinLnBrk="0" hangingPunct="1">
         <a:spcBef>
           <a:spcPct val="20000"/>
         </a:spcBef>
@@ -5634,7 +5607,7 @@
           <a:cs typeface="+mn-cs"/>
         </a:defRPr>
       </a:lvl3pPr>
-      <a:lvl4pPr marL="1543050" indent="-171450" algn="l" defTabSz="457200" rtl="0" eaLnBrk="1" latinLnBrk="0" hangingPunct="1">
+      <a:lvl4pPr marL="1543050" indent="-171450" algn="r" defTabSz="457200" rtl="1" eaLnBrk="1" latinLnBrk="0" hangingPunct="1">
         <a:spcBef>
           <a:spcPct val="20000"/>
         </a:spcBef>
@@ -5660,7 +5633,7 @@
           <a:cs typeface="+mn-cs"/>
         </a:defRPr>
       </a:lvl4pPr>
-      <a:lvl5pPr marL="2000250" indent="-171450" algn="l" defTabSz="457200" rtl="0" eaLnBrk="1" latinLnBrk="0" hangingPunct="1">
+      <a:lvl5pPr marL="2000250" indent="-171450" algn="r" defTabSz="457200" rtl="1" eaLnBrk="1" latinLnBrk="0" hangingPunct="1">
         <a:spcBef>
           <a:spcPct val="20000"/>
         </a:spcBef>
@@ -5686,7 +5659,7 @@
           <a:cs typeface="+mn-cs"/>
         </a:defRPr>
       </a:lvl5pPr>
-      <a:lvl6pPr marL="2514600" indent="-228600" algn="l" defTabSz="457200" rtl="0" eaLnBrk="1" latinLnBrk="0" hangingPunct="1">
+      <a:lvl6pPr marL="2514600" indent="-228600" algn="r" defTabSz="457200" rtl="1" eaLnBrk="1" latinLnBrk="0" hangingPunct="1">
         <a:spcBef>
           <a:spcPct val="20000"/>
         </a:spcBef>
@@ -5712,7 +5685,7 @@
           <a:cs typeface="+mn-cs"/>
         </a:defRPr>
       </a:lvl6pPr>
-      <a:lvl7pPr marL="2971800" indent="-228600" algn="l" defTabSz="457200" rtl="0" eaLnBrk="1" latinLnBrk="0" hangingPunct="1">
+      <a:lvl7pPr marL="2971800" indent="-228600" algn="r" defTabSz="457200" rtl="1" eaLnBrk="1" latinLnBrk="0" hangingPunct="1">
         <a:spcBef>
           <a:spcPct val="20000"/>
         </a:spcBef>
@@ -5738,7 +5711,7 @@
           <a:cs typeface="+mn-cs"/>
         </a:defRPr>
       </a:lvl7pPr>
-      <a:lvl8pPr marL="3429000" indent="-228600" algn="l" defTabSz="457200" rtl="0" eaLnBrk="1" latinLnBrk="0" hangingPunct="1">
+      <a:lvl8pPr marL="3429000" indent="-228600" algn="r" defTabSz="457200" rtl="1" eaLnBrk="1" latinLnBrk="0" hangingPunct="1">
         <a:spcBef>
           <a:spcPct val="20000"/>
         </a:spcBef>
@@ -5764,7 +5737,7 @@
           <a:cs typeface="+mn-cs"/>
         </a:defRPr>
       </a:lvl8pPr>
-      <a:lvl9pPr marL="3886200" indent="-228600" algn="l" defTabSz="457200" rtl="0" eaLnBrk="1" latinLnBrk="0" hangingPunct="1">
+      <a:lvl9pPr marL="3886200" indent="-228600" algn="r" defTabSz="457200" rtl="1" eaLnBrk="1" latinLnBrk="0" hangingPunct="1">
         <a:spcBef>
           <a:spcPct val="20000"/>
         </a:spcBef>
@@ -5795,7 +5768,7 @@
       <a:defPPr>
         <a:defRPr lang="en-US"/>
       </a:defPPr>
-      <a:lvl1pPr marL="0" algn="l" defTabSz="457200" rtl="0" eaLnBrk="1" latinLnBrk="0" hangingPunct="1">
+      <a:lvl1pPr marL="0" algn="r" defTabSz="457200" rtl="1" eaLnBrk="1" latinLnBrk="0" hangingPunct="1">
         <a:defRPr sz="1800" kern="1200">
           <a:solidFill>
             <a:schemeClr val="tx1"/>
@@ -5805,7 +5778,7 @@
           <a:cs typeface="+mn-cs"/>
         </a:defRPr>
       </a:lvl1pPr>
-      <a:lvl2pPr marL="457200" algn="l" defTabSz="457200" rtl="0" eaLnBrk="1" latinLnBrk="0" hangingPunct="1">
+      <a:lvl2pPr marL="457200" algn="r" defTabSz="457200" rtl="1" eaLnBrk="1" latinLnBrk="0" hangingPunct="1">
         <a:defRPr sz="1800" kern="1200">
           <a:solidFill>
             <a:schemeClr val="tx1"/>
@@ -5815,7 +5788,7 @@
           <a:cs typeface="+mn-cs"/>
         </a:defRPr>
       </a:lvl2pPr>
-      <a:lvl3pPr marL="914400" algn="l" defTabSz="457200" rtl="0" eaLnBrk="1" latinLnBrk="0" hangingPunct="1">
+      <a:lvl3pPr marL="914400" algn="r" defTabSz="457200" rtl="1" eaLnBrk="1" latinLnBrk="0" hangingPunct="1">
         <a:defRPr sz="1800" kern="1200">
           <a:solidFill>
             <a:schemeClr val="tx1"/>
@@ -5825,7 +5798,7 @@
           <a:cs typeface="+mn-cs"/>
         </a:defRPr>
       </a:lvl3pPr>
-      <a:lvl4pPr marL="1371600" algn="l" defTabSz="457200" rtl="0" eaLnBrk="1" latinLnBrk="0" hangingPunct="1">
+      <a:lvl4pPr marL="1371600" algn="r" defTabSz="457200" rtl="1" eaLnBrk="1" latinLnBrk="0" hangingPunct="1">
         <a:defRPr sz="1800" kern="1200">
           <a:solidFill>
             <a:schemeClr val="tx1"/>
@@ -5835,7 +5808,7 @@
           <a:cs typeface="+mn-cs"/>
         </a:defRPr>
       </a:lvl4pPr>
-      <a:lvl5pPr marL="1828800" algn="l" defTabSz="457200" rtl="0" eaLnBrk="1" latinLnBrk="0" hangingPunct="1">
+      <a:lvl5pPr marL="1828800" algn="r" defTabSz="457200" rtl="1" eaLnBrk="1" latinLnBrk="0" hangingPunct="1">
         <a:defRPr sz="1800" kern="1200">
           <a:solidFill>
             <a:schemeClr val="tx1"/>
@@ -5845,7 +5818,7 @@
           <a:cs typeface="+mn-cs"/>
         </a:defRPr>
       </a:lvl5pPr>
-      <a:lvl6pPr marL="2286000" algn="l" defTabSz="457200" rtl="0" eaLnBrk="1" latinLnBrk="0" hangingPunct="1">
+      <a:lvl6pPr marL="2286000" algn="r" defTabSz="457200" rtl="1" eaLnBrk="1" latinLnBrk="0" hangingPunct="1">
         <a:defRPr sz="1800" kern="1200">
           <a:solidFill>
             <a:schemeClr val="tx1"/>
@@ -5855,7 +5828,7 @@
           <a:cs typeface="+mn-cs"/>
         </a:defRPr>
       </a:lvl6pPr>
-      <a:lvl7pPr marL="2743200" algn="l" defTabSz="457200" rtl="0" eaLnBrk="1" latinLnBrk="0" hangingPunct="1">
+      <a:lvl7pPr marL="2743200" algn="r" defTabSz="457200" rtl="1" eaLnBrk="1" latinLnBrk="0" hangingPunct="1">
         <a:defRPr sz="1800" kern="1200">
           <a:solidFill>
             <a:schemeClr val="tx1"/>
@@ -5865,7 +5838,7 @@
           <a:cs typeface="+mn-cs"/>
         </a:defRPr>
       </a:lvl7pPr>
-      <a:lvl8pPr marL="3200400" algn="l" defTabSz="457200" rtl="0" eaLnBrk="1" latinLnBrk="0" hangingPunct="1">
+      <a:lvl8pPr marL="3200400" algn="r" defTabSz="457200" rtl="1" eaLnBrk="1" latinLnBrk="0" hangingPunct="1">
         <a:defRPr sz="1800" kern="1200">
           <a:solidFill>
             <a:schemeClr val="tx1"/>
@@ -5875,7 +5848,7 @@
           <a:cs typeface="+mn-cs"/>
         </a:defRPr>
       </a:lvl8pPr>
-      <a:lvl9pPr marL="3657600" algn="l" defTabSz="457200" rtl="0" eaLnBrk="1" latinLnBrk="0" hangingPunct="1">
+      <a:lvl9pPr marL="3657600" algn="r" defTabSz="457200" rtl="1" eaLnBrk="1" latinLnBrk="0" hangingPunct="1">
         <a:defRPr sz="1800" kern="1200">
           <a:solidFill>
             <a:schemeClr val="tx1"/>
@@ -6023,7 +5996,7 @@
 </file>
 
 <file path=ppt/slides/slide2.xml><?xml version="1.0" encoding="utf-8"?>
-<p:sld xmlns:a="http://schemas.openxmlformats.org/drawingml/2006/main" xmlns:r="http://schemas.openxmlformats.org/officeDocument/2006/relationships" xmlns:p="http://schemas.openxmlformats.org/presentationml/2006/main">
+<p:sld xmlns:a="http://schemas.openxmlformats.org/drawingml/2006/main" xmlns:r="http://schemas.openxmlformats.org/officeDocument/2006/relationships" xmlns:p="http://schemas.openxmlformats.org/presentationml/2006/main" show="0">
   <p:cSld>
     <p:spTree>
       <p:nvGrpSpPr>
@@ -6424,6 +6397,275 @@
             <p:ph type="title"/>
           </p:nvPr>
         </p:nvSpPr>
+        <p:spPr>
+          <a:xfrm>
+            <a:off x="1292770" y="729884"/>
+            <a:ext cx="9601196" cy="1303867"/>
+          </a:xfrm>
+        </p:spPr>
+        <p:txBody>
+          <a:bodyPr/>
+          <a:lstStyle/>
+          <a:p>
+            <a:r>
+              <a:rPr lang="he-IL" dirty="0"/>
+              <a:t>עשית קניות לעל האש, אבל...</a:t>
+            </a:r>
+            <a:endParaRPr lang="en-US" dirty="0"/>
+          </a:p>
+        </p:txBody>
+      </p:sp>
+      <p:pic>
+        <p:nvPicPr>
+          <p:cNvPr id="1026" name="Picture 2" descr="http://4.bp.blogspot.com/-A9SWRZy4M5I/T7TyMaKfnLI/AAAAAAAAGg8/q3BW4hRR-UQ/s1600/IMG_7369.JPG"/>
+          <p:cNvPicPr>
+            <a:picLocks noChangeAspect="1" noChangeArrowheads="1"/>
+          </p:cNvPicPr>
+          <p:nvPr/>
+        </p:nvPicPr>
+        <p:blipFill>
+          <a:blip r:embed="rId2">
+            <a:extLst>
+              <a:ext uri="{28A0092B-C50C-407E-A947-70E740481C1C}">
+                <a14:useLocalDpi xmlns:a14="http://schemas.microsoft.com/office/drawing/2010/main" val="0"/>
+              </a:ext>
+            </a:extLst>
+          </a:blip>
+          <a:srcRect/>
+          <a:stretch>
+            <a:fillRect/>
+          </a:stretch>
+        </p:blipFill>
+        <p:spPr bwMode="auto">
+          <a:xfrm>
+            <a:off x="1208690" y="1690993"/>
+            <a:ext cx="9785131" cy="4520621"/>
+          </a:xfrm>
+          <a:prstGeom prst="rect">
+            <a:avLst/>
+          </a:prstGeom>
+          <a:noFill/>
+          <a:extLst>
+            <a:ext uri="{909E8E84-426E-40DD-AFC4-6F175D3DCCD1}">
+              <a14:hiddenFill xmlns:a14="http://schemas.microsoft.com/office/drawing/2010/main">
+                <a:solidFill>
+                  <a:srgbClr val="FFFFFF"/>
+                </a:solidFill>
+              </a14:hiddenFill>
+            </a:ext>
+          </a:extLst>
+        </p:spPr>
+      </p:pic>
+    </p:spTree>
+    <p:extLst>
+      <p:ext uri="{BB962C8B-B14F-4D97-AF65-F5344CB8AC3E}">
+        <p14:creationId xmlns:p14="http://schemas.microsoft.com/office/powerpoint/2010/main" val="3273451631"/>
+      </p:ext>
+    </p:extLst>
+  </p:cSld>
+  <p:clrMapOvr>
+    <a:masterClrMapping/>
+  </p:clrMapOvr>
+</p:sld>
+</file>
+
+<file path=ppt/slides/slide4.xml><?xml version="1.0" encoding="utf-8"?>
+<p:sld xmlns:a="http://schemas.openxmlformats.org/drawingml/2006/main" xmlns:r="http://schemas.openxmlformats.org/officeDocument/2006/relationships" xmlns:p="http://schemas.openxmlformats.org/presentationml/2006/main">
+  <p:cSld>
+    <p:spTree>
+      <p:nvGrpSpPr>
+        <p:cNvPr id="1" name=""/>
+        <p:cNvGrpSpPr/>
+        <p:nvPr/>
+      </p:nvGrpSpPr>
+      <p:grpSpPr>
+        <a:xfrm>
+          <a:off x="0" y="0"/>
+          <a:ext cx="0" cy="0"/>
+          <a:chOff x="0" y="0"/>
+          <a:chExt cx="0" cy="0"/>
+        </a:xfrm>
+      </p:grpSpPr>
+      <p:pic>
+        <p:nvPicPr>
+          <p:cNvPr id="3076" name="Picture 4" descr="https://cdn.daysoftheyear.com/wp-content/images/1420462_3d.jpg"/>
+          <p:cNvPicPr>
+            <a:picLocks noChangeAspect="1" noChangeArrowheads="1"/>
+          </p:cNvPicPr>
+          <p:nvPr/>
+        </p:nvPicPr>
+        <p:blipFill>
+          <a:blip r:embed="rId2">
+            <a:extLst>
+              <a:ext uri="{28A0092B-C50C-407E-A947-70E740481C1C}">
+                <a14:useLocalDpi xmlns:a14="http://schemas.microsoft.com/office/drawing/2010/main" val="0"/>
+              </a:ext>
+            </a:extLst>
+          </a:blip>
+          <a:srcRect/>
+          <a:stretch>
+            <a:fillRect/>
+          </a:stretch>
+        </p:blipFill>
+        <p:spPr bwMode="auto">
+          <a:xfrm>
+            <a:off x="1545021" y="-166523"/>
+            <a:ext cx="9532882" cy="7172544"/>
+          </a:xfrm>
+          <a:prstGeom prst="rect">
+            <a:avLst/>
+          </a:prstGeom>
+          <a:noFill/>
+          <a:extLst>
+            <a:ext uri="{909E8E84-426E-40DD-AFC4-6F175D3DCCD1}">
+              <a14:hiddenFill xmlns:a14="http://schemas.microsoft.com/office/drawing/2010/main">
+                <a:solidFill>
+                  <a:srgbClr val="FFFFFF"/>
+                </a:solidFill>
+              </a14:hiddenFill>
+            </a:ext>
+          </a:extLst>
+        </p:spPr>
+      </p:pic>
+    </p:spTree>
+    <p:extLst>
+      <p:ext uri="{BB962C8B-B14F-4D97-AF65-F5344CB8AC3E}">
+        <p14:creationId xmlns:p14="http://schemas.microsoft.com/office/powerpoint/2010/main" val="4156618799"/>
+      </p:ext>
+    </p:extLst>
+  </p:cSld>
+  <p:clrMapOvr>
+    <a:masterClrMapping/>
+  </p:clrMapOvr>
+</p:sld>
+</file>
+
+<file path=ppt/slides/slide5.xml><?xml version="1.0" encoding="utf-8"?>
+<p:sld xmlns:a="http://schemas.openxmlformats.org/drawingml/2006/main" xmlns:r="http://schemas.openxmlformats.org/officeDocument/2006/relationships" xmlns:p="http://schemas.openxmlformats.org/presentationml/2006/main">
+  <p:cSld>
+    <p:spTree>
+      <p:nvGrpSpPr>
+        <p:cNvPr id="1" name=""/>
+        <p:cNvGrpSpPr/>
+        <p:nvPr/>
+      </p:nvGrpSpPr>
+      <p:grpSpPr>
+        <a:xfrm>
+          <a:off x="0" y="0"/>
+          <a:ext cx="0" cy="0"/>
+          <a:chOff x="0" y="0"/>
+          <a:chExt cx="0" cy="0"/>
+        </a:xfrm>
+      </p:grpSpPr>
+      <p:sp>
+        <p:nvSpPr>
+          <p:cNvPr id="2" name="Title 1"/>
+          <p:cNvSpPr>
+            <a:spLocks noGrp="1"/>
+          </p:cNvSpPr>
+          <p:nvPr>
+            <p:ph type="title"/>
+          </p:nvPr>
+        </p:nvSpPr>
+        <p:spPr>
+          <a:xfrm>
+            <a:off x="1292770" y="729884"/>
+            <a:ext cx="9601196" cy="1303867"/>
+          </a:xfrm>
+        </p:spPr>
+        <p:txBody>
+          <a:bodyPr/>
+          <a:lstStyle/>
+          <a:p>
+            <a:r>
+              <a:rPr lang="he-IL" dirty="0"/>
+              <a:t>עשית קניות לעל האש, אבל...</a:t>
+            </a:r>
+            <a:endParaRPr lang="en-US" dirty="0"/>
+          </a:p>
+        </p:txBody>
+      </p:sp>
+      <p:pic>
+        <p:nvPicPr>
+          <p:cNvPr id="2050" name="Picture 2" descr="https://img.clipartfest.com/40cb02d6afc49e68510ce0f4ace8a3f1_expensive-an-image-of-a-man-expensive-clipart_1300-1300.jpeg"/>
+          <p:cNvPicPr>
+            <a:picLocks noChangeAspect="1" noChangeArrowheads="1"/>
+          </p:cNvPicPr>
+          <p:nvPr/>
+        </p:nvPicPr>
+        <p:blipFill>
+          <a:blip r:embed="rId2">
+            <a:extLst>
+              <a:ext uri="{28A0092B-C50C-407E-A947-70E740481C1C}">
+                <a14:useLocalDpi xmlns:a14="http://schemas.microsoft.com/office/drawing/2010/main" val="0"/>
+              </a:ext>
+            </a:extLst>
+          </a:blip>
+          <a:srcRect/>
+          <a:stretch>
+            <a:fillRect/>
+          </a:stretch>
+        </p:blipFill>
+        <p:spPr bwMode="auto">
+          <a:xfrm>
+            <a:off x="0" y="0"/>
+            <a:ext cx="12192000" cy="6858000"/>
+          </a:xfrm>
+          <a:prstGeom prst="rect">
+            <a:avLst/>
+          </a:prstGeom>
+          <a:noFill/>
+          <a:extLst>
+            <a:ext uri="{909E8E84-426E-40DD-AFC4-6F175D3DCCD1}">
+              <a14:hiddenFill xmlns:a14="http://schemas.microsoft.com/office/drawing/2010/main">
+                <a:solidFill>
+                  <a:srgbClr val="FFFFFF"/>
+                </a:solidFill>
+              </a14:hiddenFill>
+            </a:ext>
+          </a:extLst>
+        </p:spPr>
+      </p:pic>
+    </p:spTree>
+    <p:extLst>
+      <p:ext uri="{BB962C8B-B14F-4D97-AF65-F5344CB8AC3E}">
+        <p14:creationId xmlns:p14="http://schemas.microsoft.com/office/powerpoint/2010/main" val="4003826231"/>
+      </p:ext>
+    </p:extLst>
+  </p:cSld>
+  <p:clrMapOvr>
+    <a:masterClrMapping/>
+  </p:clrMapOvr>
+</p:sld>
+</file>
+
+<file path=ppt/slides/slide6.xml><?xml version="1.0" encoding="utf-8"?>
+<p:sld xmlns:a="http://schemas.openxmlformats.org/drawingml/2006/main" xmlns:r="http://schemas.openxmlformats.org/officeDocument/2006/relationships" xmlns:p="http://schemas.openxmlformats.org/presentationml/2006/main">
+  <p:cSld>
+    <p:spTree>
+      <p:nvGrpSpPr>
+        <p:cNvPr id="1" name=""/>
+        <p:cNvGrpSpPr/>
+        <p:nvPr/>
+      </p:nvGrpSpPr>
+      <p:grpSpPr>
+        <a:xfrm>
+          <a:off x="0" y="0"/>
+          <a:ext cx="0" cy="0"/>
+          <a:chOff x="0" y="0"/>
+          <a:chExt cx="0" cy="0"/>
+        </a:xfrm>
+      </p:grpSpPr>
+      <p:sp>
+        <p:nvSpPr>
+          <p:cNvPr id="2" name="Title 1"/>
+          <p:cNvSpPr>
+            <a:spLocks noGrp="1"/>
+          </p:cNvSpPr>
+          <p:nvPr>
+            <p:ph type="title"/>
+          </p:nvPr>
+        </p:nvSpPr>
         <p:spPr/>
         <p:txBody>
           <a:bodyPr/>
@@ -6497,8 +6739,8 @@
         </p:blipFill>
         <p:spPr>
           <a:xfrm>
-            <a:off x="3060441" y="2904637"/>
-            <a:ext cx="2871053" cy="2852349"/>
+            <a:off x="632551" y="1762612"/>
+            <a:ext cx="4475476" cy="4446320"/>
           </a:xfrm>
           <a:prstGeom prst="rect">
             <a:avLst/>
@@ -6734,7 +6976,7 @@
 </p:sld>
 </file>
 
-<file path=ppt/slides/slide4.xml><?xml version="1.0" encoding="utf-8"?>
+<file path=ppt/slides/slide7.xml><?xml version="1.0" encoding="utf-8"?>
 <p:sld xmlns:a="http://schemas.openxmlformats.org/drawingml/2006/main" xmlns:r="http://schemas.openxmlformats.org/officeDocument/2006/relationships" xmlns:p="http://schemas.openxmlformats.org/presentationml/2006/main">
   <p:cSld>
     <p:spTree>
@@ -6808,6 +7050,47 @@
           </a:p>
         </p:txBody>
       </p:sp>
+      <p:pic>
+        <p:nvPicPr>
+          <p:cNvPr id="4098" name="Picture 2" descr="http://theozsafari.com.au/wp-content/uploads/2015/07/barbecue-party-dishes.jpg"/>
+          <p:cNvPicPr>
+            <a:picLocks noChangeAspect="1" noChangeArrowheads="1"/>
+          </p:cNvPicPr>
+          <p:nvPr/>
+        </p:nvPicPr>
+        <p:blipFill>
+          <a:blip r:embed="rId2">
+            <a:extLst>
+              <a:ext uri="{28A0092B-C50C-407E-A947-70E740481C1C}">
+                <a14:useLocalDpi xmlns:a14="http://schemas.microsoft.com/office/drawing/2010/main" val="0"/>
+              </a:ext>
+            </a:extLst>
+          </a:blip>
+          <a:srcRect/>
+          <a:stretch>
+            <a:fillRect/>
+          </a:stretch>
+        </p:blipFill>
+        <p:spPr bwMode="auto">
+          <a:xfrm>
+            <a:off x="990764" y="2556932"/>
+            <a:ext cx="5399525" cy="3599683"/>
+          </a:xfrm>
+          <a:prstGeom prst="rect">
+            <a:avLst/>
+          </a:prstGeom>
+          <a:noFill/>
+          <a:extLst>
+            <a:ext uri="{909E8E84-426E-40DD-AFC4-6F175D3DCCD1}">
+              <a14:hiddenFill xmlns:a14="http://schemas.microsoft.com/office/drawing/2010/main">
+                <a:solidFill>
+                  <a:srgbClr val="FFFFFF"/>
+                </a:solidFill>
+              </a14:hiddenFill>
+            </a:ext>
+          </a:extLst>
+        </p:spPr>
+      </p:pic>
     </p:spTree>
     <p:extLst>
       <p:ext uri="{BB962C8B-B14F-4D97-AF65-F5344CB8AC3E}">
@@ -6976,7 +7259,7 @@
 </p:sld>
 </file>
 
-<file path=ppt/slides/slide5.xml><?xml version="1.0" encoding="utf-8"?>
+<file path=ppt/slides/slide8.xml><?xml version="1.0" encoding="utf-8"?>
 <p:sld xmlns:a="http://schemas.openxmlformats.org/drawingml/2006/main" xmlns:r="http://schemas.openxmlformats.org/officeDocument/2006/relationships" xmlns:p="http://schemas.openxmlformats.org/presentationml/2006/main">
   <p:cSld>
     <p:spTree>
@@ -7291,7 +7574,7 @@
 </p:sld>
 </file>
 
-<file path=ppt/slides/slide6.xml><?xml version="1.0" encoding="utf-8"?>
+<file path=ppt/slides/slide9.xml><?xml version="1.0" encoding="utf-8"?>
 <p:sld xmlns:a="http://schemas.openxmlformats.org/drawingml/2006/main" xmlns:r="http://schemas.openxmlformats.org/officeDocument/2006/relationships" xmlns:p="http://schemas.openxmlformats.org/presentationml/2006/main">
   <p:cSld>
     <p:spTree>
@@ -7370,9 +7653,9 @@
 </file>
 
 <file path=ppt/theme/theme1.xml><?xml version="1.0" encoding="utf-8"?>
-<a:theme xmlns:a="http://schemas.openxmlformats.org/drawingml/2006/main" name="Organic">
+<a:theme xmlns:a="http://schemas.openxmlformats.org/drawingml/2006/main" name="אורגני">
   <a:themeElements>
-    <a:clrScheme name="Organic">
+    <a:clrScheme name="אורגני">
       <a:dk1>
         <a:sysClr val="windowText" lastClr="000000"/>
       </a:dk1>
@@ -7410,7 +7693,7 @@
         <a:srgbClr val="B4CA80"/>
       </a:folHlink>
     </a:clrScheme>
-    <a:fontScheme name="Organic">
+    <a:fontScheme name="אורגני">
       <a:majorFont>
         <a:latin typeface="Garamond" panose="02020404030301010803"/>
         <a:ea typeface=""/>
@@ -7482,7 +7765,7 @@
         <a:font script="Geor" typeface="Sylfaen"/>
       </a:minorFont>
     </a:fontScheme>
-    <a:fmtScheme name="Organic">
+    <a:fmtScheme name="אורגני">
       <a:fillStyleLst>
         <a:solidFill>
           <a:schemeClr val="phClr"/>
